--- a/Presentation OC PIzza.pptx
+++ b/Presentation OC PIzza.pptx
@@ -2910,6 +2910,13 @@
         </dgm:presLayoutVars>
       </dgm:prSet>
       <dgm:spPr/>
+      <dgm:t>
+        <a:bodyPr/>
+        <a:lstStyle/>
+        <a:p>
+          <a:endParaRPr lang="fr-FR"/>
+        </a:p>
+      </dgm:t>
     </dgm:pt>
     <dgm:pt modelId="{7C0D77FE-EE5C-459F-8611-584B93438665}" type="pres">
       <dgm:prSet presAssocID="{5D1A7B87-F468-4E32-A5F9-B8266DBB192B}" presName="node" presStyleLbl="node1" presStyleIdx="0" presStyleCnt="3">
@@ -2966,25 +2973,25 @@
     </dgm:pt>
   </dgm:ptLst>
   <dgm:cxnLst>
+    <dgm:cxn modelId="{F1122532-6CD5-41B1-B181-84BFE12DECEB}" type="presOf" srcId="{FF4709BA-C8C5-417E-825D-DC66C753BB7C}" destId="{7C0D77FE-EE5C-459F-8611-584B93438665}" srcOrd="0" destOrd="2" presId="urn:microsoft.com/office/officeart/2005/8/layout/hList6"/>
+    <dgm:cxn modelId="{3CDCE1C7-AABA-4D3A-A69C-B92FBFF8CF4C}" srcId="{BC2B34FB-670A-4621-93E3-7F00BEB40BED}" destId="{59095796-79DB-4FE0-990B-8097DA217823}" srcOrd="1" destOrd="0" parTransId="{94915DD8-895B-4071-A521-4CEDAE71D3C3}" sibTransId="{F99866B7-04CD-40B8-B5E3-6D2EC4FCC075}"/>
+    <dgm:cxn modelId="{FF7169CA-9501-4D70-8126-2BB6134929D9}" type="presOf" srcId="{B7C3097D-57BA-4C15-B770-F1B624E8C9C7}" destId="{5D1BD48D-70EB-4825-A210-0268C62D4B5A}" srcOrd="0" destOrd="0" presId="urn:microsoft.com/office/officeart/2005/8/layout/hList6"/>
+    <dgm:cxn modelId="{31ECADFE-C7B6-45BC-ABEF-E5613668D7E0}" srcId="{5D1A7B87-F468-4E32-A5F9-B8266DBB192B}" destId="{DA301B3B-E72A-4563-B040-853E4C534327}" srcOrd="0" destOrd="0" parTransId="{ABD85761-E05A-4940-B0DF-C87D9A876515}" sibTransId="{4AB6C501-3786-4442-866B-32E243B81142}"/>
+    <dgm:cxn modelId="{6C25E509-C6BF-485F-A990-6D907F8D1688}" srcId="{B7C3097D-57BA-4C15-B770-F1B624E8C9C7}" destId="{B202B326-44D9-4878-B21A-A34CF1EC0409}" srcOrd="2" destOrd="0" parTransId="{454977AE-1236-4D8F-B2D4-D0FE69DAEA29}" sibTransId="{6B0E1B09-5D21-4260-A0DF-36081E98D783}"/>
+    <dgm:cxn modelId="{D38AD6C4-BBB9-4FB6-956F-7EEBA1EE8883}" srcId="{B7C3097D-57BA-4C15-B770-F1B624E8C9C7}" destId="{5D1A7B87-F468-4E32-A5F9-B8266DBB192B}" srcOrd="0" destOrd="0" parTransId="{FC71B9BA-959E-440E-BCEC-AD16698A6A80}" sibTransId="{F22CD9A4-6A7D-4862-88D0-FB0B0988854F}"/>
+    <dgm:cxn modelId="{EA2EE87D-3D6A-4D02-9205-5B80D1C66555}" type="presOf" srcId="{5C23D1BA-B118-4E6A-B4AD-CF726D2D1BDE}" destId="{DC439EE8-1B14-4CFF-BF24-4C34E3756C7F}" srcOrd="0" destOrd="2" presId="urn:microsoft.com/office/officeart/2005/8/layout/hList6"/>
+    <dgm:cxn modelId="{F3C25A01-9FE6-48D7-9E4B-CD0E12801F88}" srcId="{BC2B34FB-670A-4621-93E3-7F00BEB40BED}" destId="{BF7DFAD3-C343-4056-8D46-3652688C493F}" srcOrd="0" destOrd="0" parTransId="{2D21D485-353F-4C2A-A96B-1C746A7163CE}" sibTransId="{98FB7B26-475D-4AE9-A40C-E635B65B3129}"/>
+    <dgm:cxn modelId="{F70EAF05-8C57-4E01-95B5-B793BA05824F}" type="presOf" srcId="{5D1A7B87-F468-4E32-A5F9-B8266DBB192B}" destId="{7C0D77FE-EE5C-459F-8611-584B93438665}" srcOrd="0" destOrd="0" presId="urn:microsoft.com/office/officeart/2005/8/layout/hList6"/>
+    <dgm:cxn modelId="{5F83C076-0799-4C59-927E-1C482725399C}" srcId="{B202B326-44D9-4878-B21A-A34CF1EC0409}" destId="{5C23D1BA-B118-4E6A-B4AD-CF726D2D1BDE}" srcOrd="1" destOrd="0" parTransId="{7394177B-9A7E-4090-993B-F4BE05CDA633}" sibTransId="{DF956A4F-89F3-4460-B6B5-92DFFA27BB6C}"/>
+    <dgm:cxn modelId="{230BC32A-A67D-4B3F-8A65-06BD21F75241}" type="presOf" srcId="{BF7DFAD3-C343-4056-8D46-3652688C493F}" destId="{C8A995AD-205E-491F-AF00-1925866653FC}" srcOrd="0" destOrd="1" presId="urn:microsoft.com/office/officeart/2005/8/layout/hList6"/>
+    <dgm:cxn modelId="{C2B906F0-79F5-4C28-98BF-7310FC130112}" type="presOf" srcId="{BC2B34FB-670A-4621-93E3-7F00BEB40BED}" destId="{C8A995AD-205E-491F-AF00-1925866653FC}" srcOrd="0" destOrd="0" presId="urn:microsoft.com/office/officeart/2005/8/layout/hList6"/>
+    <dgm:cxn modelId="{2FB19BD2-0D27-4AE7-BB6D-99BD6820532F}" type="presOf" srcId="{DA301B3B-E72A-4563-B040-853E4C534327}" destId="{7C0D77FE-EE5C-459F-8611-584B93438665}" srcOrd="0" destOrd="1" presId="urn:microsoft.com/office/officeart/2005/8/layout/hList6"/>
+    <dgm:cxn modelId="{39FFDA3A-AF10-4508-8435-51F46A6AA654}" type="presOf" srcId="{B202B326-44D9-4878-B21A-A34CF1EC0409}" destId="{DC439EE8-1B14-4CFF-BF24-4C34E3756C7F}" srcOrd="0" destOrd="0" presId="urn:microsoft.com/office/officeart/2005/8/layout/hList6"/>
+    <dgm:cxn modelId="{05B6A8F0-7668-4CC8-90AD-F12975648D2E}" srcId="{B202B326-44D9-4878-B21A-A34CF1EC0409}" destId="{57191412-7D91-408B-8670-1EF6527E47A7}" srcOrd="0" destOrd="0" parTransId="{38096522-7A3B-42DF-AB9F-D7A4311AD916}" sibTransId="{CA7AA5A8-1468-48F4-B391-F54F2D985CFE}"/>
     <dgm:cxn modelId="{DB294838-D506-4C56-BE14-C87148C2A50E}" type="presOf" srcId="{59095796-79DB-4FE0-990B-8097DA217823}" destId="{C8A995AD-205E-491F-AF00-1925866653FC}" srcOrd="0" destOrd="2" presId="urn:microsoft.com/office/officeart/2005/8/layout/hList6"/>
     <dgm:cxn modelId="{2FAF9064-D53C-49DC-800F-39B66608BE91}" srcId="{B7C3097D-57BA-4C15-B770-F1B624E8C9C7}" destId="{BC2B34FB-670A-4621-93E3-7F00BEB40BED}" srcOrd="1" destOrd="0" parTransId="{AD24A849-537C-4969-AAC2-F73BC6FAC5AE}" sibTransId="{02D3A6D2-C6CA-4EF8-A0AC-5FFF97905805}"/>
-    <dgm:cxn modelId="{D38AD6C4-BBB9-4FB6-956F-7EEBA1EE8883}" srcId="{B7C3097D-57BA-4C15-B770-F1B624E8C9C7}" destId="{5D1A7B87-F468-4E32-A5F9-B8266DBB192B}" srcOrd="0" destOrd="0" parTransId="{FC71B9BA-959E-440E-BCEC-AD16698A6A80}" sibTransId="{F22CD9A4-6A7D-4862-88D0-FB0B0988854F}"/>
-    <dgm:cxn modelId="{F1122532-6CD5-41B1-B181-84BFE12DECEB}" type="presOf" srcId="{FF4709BA-C8C5-417E-825D-DC66C753BB7C}" destId="{7C0D77FE-EE5C-459F-8611-584B93438665}" srcOrd="0" destOrd="2" presId="urn:microsoft.com/office/officeart/2005/8/layout/hList6"/>
-    <dgm:cxn modelId="{5F83C076-0799-4C59-927E-1C482725399C}" srcId="{B202B326-44D9-4878-B21A-A34CF1EC0409}" destId="{5C23D1BA-B118-4E6A-B4AD-CF726D2D1BDE}" srcOrd="1" destOrd="0" parTransId="{7394177B-9A7E-4090-993B-F4BE05CDA633}" sibTransId="{DF956A4F-89F3-4460-B6B5-92DFFA27BB6C}"/>
-    <dgm:cxn modelId="{39FFDA3A-AF10-4508-8435-51F46A6AA654}" type="presOf" srcId="{B202B326-44D9-4878-B21A-A34CF1EC0409}" destId="{DC439EE8-1B14-4CFF-BF24-4C34E3756C7F}" srcOrd="0" destOrd="0" presId="urn:microsoft.com/office/officeart/2005/8/layout/hList6"/>
-    <dgm:cxn modelId="{F70EAF05-8C57-4E01-95B5-B793BA05824F}" type="presOf" srcId="{5D1A7B87-F468-4E32-A5F9-B8266DBB192B}" destId="{7C0D77FE-EE5C-459F-8611-584B93438665}" srcOrd="0" destOrd="0" presId="urn:microsoft.com/office/officeart/2005/8/layout/hList6"/>
+    <dgm:cxn modelId="{B4E68686-F472-4BCC-BD36-02678ED3B79F}" srcId="{5D1A7B87-F468-4E32-A5F9-B8266DBB192B}" destId="{FF4709BA-C8C5-417E-825D-DC66C753BB7C}" srcOrd="1" destOrd="0" parTransId="{4245C66A-03C4-43CC-AB5F-8A7A2EF089B9}" sibTransId="{5B1F6C56-CB97-4CDF-A239-3DC5C8D89F04}"/>
     <dgm:cxn modelId="{5B5B65ED-8A62-40E2-B339-AB1269E627FD}" type="presOf" srcId="{57191412-7D91-408B-8670-1EF6527E47A7}" destId="{DC439EE8-1B14-4CFF-BF24-4C34E3756C7F}" srcOrd="0" destOrd="1" presId="urn:microsoft.com/office/officeart/2005/8/layout/hList6"/>
-    <dgm:cxn modelId="{2FB19BD2-0D27-4AE7-BB6D-99BD6820532F}" type="presOf" srcId="{DA301B3B-E72A-4563-B040-853E4C534327}" destId="{7C0D77FE-EE5C-459F-8611-584B93438665}" srcOrd="0" destOrd="1" presId="urn:microsoft.com/office/officeart/2005/8/layout/hList6"/>
-    <dgm:cxn modelId="{C2B906F0-79F5-4C28-98BF-7310FC130112}" type="presOf" srcId="{BC2B34FB-670A-4621-93E3-7F00BEB40BED}" destId="{C8A995AD-205E-491F-AF00-1925866653FC}" srcOrd="0" destOrd="0" presId="urn:microsoft.com/office/officeart/2005/8/layout/hList6"/>
-    <dgm:cxn modelId="{230BC32A-A67D-4B3F-8A65-06BD21F75241}" type="presOf" srcId="{BF7DFAD3-C343-4056-8D46-3652688C493F}" destId="{C8A995AD-205E-491F-AF00-1925866653FC}" srcOrd="0" destOrd="1" presId="urn:microsoft.com/office/officeart/2005/8/layout/hList6"/>
-    <dgm:cxn modelId="{3CDCE1C7-AABA-4D3A-A69C-B92FBFF8CF4C}" srcId="{BC2B34FB-670A-4621-93E3-7F00BEB40BED}" destId="{59095796-79DB-4FE0-990B-8097DA217823}" srcOrd="1" destOrd="0" parTransId="{94915DD8-895B-4071-A521-4CEDAE71D3C3}" sibTransId="{F99866B7-04CD-40B8-B5E3-6D2EC4FCC075}"/>
-    <dgm:cxn modelId="{F3C25A01-9FE6-48D7-9E4B-CD0E12801F88}" srcId="{BC2B34FB-670A-4621-93E3-7F00BEB40BED}" destId="{BF7DFAD3-C343-4056-8D46-3652688C493F}" srcOrd="0" destOrd="0" parTransId="{2D21D485-353F-4C2A-A96B-1C746A7163CE}" sibTransId="{98FB7B26-475D-4AE9-A40C-E635B65B3129}"/>
-    <dgm:cxn modelId="{31ECADFE-C7B6-45BC-ABEF-E5613668D7E0}" srcId="{5D1A7B87-F468-4E32-A5F9-B8266DBB192B}" destId="{DA301B3B-E72A-4563-B040-853E4C534327}" srcOrd="0" destOrd="0" parTransId="{ABD85761-E05A-4940-B0DF-C87D9A876515}" sibTransId="{4AB6C501-3786-4442-866B-32E243B81142}"/>
-    <dgm:cxn modelId="{05B6A8F0-7668-4CC8-90AD-F12975648D2E}" srcId="{B202B326-44D9-4878-B21A-A34CF1EC0409}" destId="{57191412-7D91-408B-8670-1EF6527E47A7}" srcOrd="0" destOrd="0" parTransId="{38096522-7A3B-42DF-AB9F-D7A4311AD916}" sibTransId="{CA7AA5A8-1468-48F4-B391-F54F2D985CFE}"/>
-    <dgm:cxn modelId="{B4E68686-F472-4BCC-BD36-02678ED3B79F}" srcId="{5D1A7B87-F468-4E32-A5F9-B8266DBB192B}" destId="{FF4709BA-C8C5-417E-825D-DC66C753BB7C}" srcOrd="1" destOrd="0" parTransId="{4245C66A-03C4-43CC-AB5F-8A7A2EF089B9}" sibTransId="{5B1F6C56-CB97-4CDF-A239-3DC5C8D89F04}"/>
-    <dgm:cxn modelId="{EA2EE87D-3D6A-4D02-9205-5B80D1C66555}" type="presOf" srcId="{5C23D1BA-B118-4E6A-B4AD-CF726D2D1BDE}" destId="{DC439EE8-1B14-4CFF-BF24-4C34E3756C7F}" srcOrd="0" destOrd="2" presId="urn:microsoft.com/office/officeart/2005/8/layout/hList6"/>
-    <dgm:cxn modelId="{FF7169CA-9501-4D70-8126-2BB6134929D9}" type="presOf" srcId="{B7C3097D-57BA-4C15-B770-F1B624E8C9C7}" destId="{5D1BD48D-70EB-4825-A210-0268C62D4B5A}" srcOrd="0" destOrd="0" presId="urn:microsoft.com/office/officeart/2005/8/layout/hList6"/>
-    <dgm:cxn modelId="{6C25E509-C6BF-485F-A990-6D907F8D1688}" srcId="{B7C3097D-57BA-4C15-B770-F1B624E8C9C7}" destId="{B202B326-44D9-4878-B21A-A34CF1EC0409}" srcOrd="2" destOrd="0" parTransId="{454977AE-1236-4D8F-B2D4-D0FE69DAEA29}" sibTransId="{6B0E1B09-5D21-4260-A0DF-36081E98D783}"/>
     <dgm:cxn modelId="{1BC7F730-1BB0-4BCB-80A9-8E5F78010B3F}" type="presParOf" srcId="{5D1BD48D-70EB-4825-A210-0268C62D4B5A}" destId="{7C0D77FE-EE5C-459F-8611-584B93438665}" srcOrd="0" destOrd="0" presId="urn:microsoft.com/office/officeart/2005/8/layout/hList6"/>
     <dgm:cxn modelId="{CC4F1985-BF17-47E3-AE9E-DEA07F85B3E4}" type="presParOf" srcId="{5D1BD48D-70EB-4825-A210-0268C62D4B5A}" destId="{EA7C0A77-987E-4D16-8D85-645EB73FABB9}" srcOrd="1" destOrd="0" presId="urn:microsoft.com/office/officeart/2005/8/layout/hList6"/>
     <dgm:cxn modelId="{0B0D35CF-EEFD-4657-8891-1E954A8FA26C}" type="presParOf" srcId="{5D1BD48D-70EB-4825-A210-0268C62D4B5A}" destId="{C8A995AD-205E-491F-AF00-1925866653FC}" srcOrd="2" destOrd="0" presId="urn:microsoft.com/office/officeart/2005/8/layout/hList6"/>
@@ -3451,6 +3458,13 @@
         </dgm:presLayoutVars>
       </dgm:prSet>
       <dgm:spPr/>
+      <dgm:t>
+        <a:bodyPr/>
+        <a:lstStyle/>
+        <a:p>
+          <a:endParaRPr lang="fr-FR"/>
+        </a:p>
+      </dgm:t>
     </dgm:pt>
     <dgm:pt modelId="{ECA507D8-94C7-4EF8-BD07-8D7F1F7A858E}" type="pres">
       <dgm:prSet presAssocID="{084EEE45-4AD0-4504-A622-B6C0D04FCE0A}" presName="parentText" presStyleLbl="node1" presStyleIdx="0" presStyleCnt="2">
@@ -3460,6 +3474,13 @@
         </dgm:presLayoutVars>
       </dgm:prSet>
       <dgm:spPr/>
+      <dgm:t>
+        <a:bodyPr/>
+        <a:lstStyle/>
+        <a:p>
+          <a:endParaRPr lang="fr-FR"/>
+        </a:p>
+      </dgm:t>
     </dgm:pt>
     <dgm:pt modelId="{40A62FFD-6517-4F52-A094-6FF92FD0CC1D}" type="pres">
       <dgm:prSet presAssocID="{084EEE45-4AD0-4504-A622-B6C0D04FCE0A}" presName="childText" presStyleLbl="revTx" presStyleIdx="0" presStyleCnt="2">
@@ -6897,7 +6918,7 @@
             <a:pPr algn="r" rtl="0"/>
             <a:fld id="{4FD0811F-65A0-45DC-A418-D7D88257DA14}" type="datetime1">
               <a:rPr lang="fr-FR" smtClean="0"/>
-              <a:t>29/05/2019</a:t>
+              <a:t>31/05/2019</a:t>
             </a:fld>
             <a:endParaRPr lang="fr-FR" dirty="0"/>
           </a:p>
@@ -7067,7 +7088,7 @@
             <a:fld id="{869BCCB5-3197-42F0-A23E-FBF35BB6BD6D}" type="datetime1">
               <a:rPr lang="fr-FR" smtClean="0"/>
               <a:pPr/>
-              <a:t>29/05/2019</a:t>
+              <a:t>31/05/2019</a:t>
             </a:fld>
             <a:endParaRPr lang="fr-FR" dirty="0"/>
           </a:p>
@@ -7681,7 +7702,7 @@
             <a:fld id="{C169FE22-A35D-4AA5-9ED0-CA5AA0D08EE7}" type="datetime1">
               <a:rPr lang="fr-FR" smtClean="0"/>
               <a:pPr/>
-              <a:t>29/05/2019</a:t>
+              <a:t>31/05/2019</a:t>
             </a:fld>
             <a:endParaRPr lang="fr-FR" dirty="0"/>
           </a:p>
@@ -7888,7 +7909,7 @@
             <a:fld id="{4B2D50EC-F18A-4356-A82F-ED015F56C2C6}" type="datetime1">
               <a:rPr lang="fr-FR" smtClean="0"/>
               <a:pPr/>
-              <a:t>29/05/2019</a:t>
+              <a:t>31/05/2019</a:t>
             </a:fld>
             <a:endParaRPr lang="fr-FR" dirty="0"/>
           </a:p>
@@ -8092,7 +8113,7 @@
             <a:fld id="{D8AB5196-52B1-4918-B153-34A0C9A4A7AD}" type="datetime1">
               <a:rPr lang="fr-FR" smtClean="0"/>
               <a:pPr/>
-              <a:t>29/05/2019</a:t>
+              <a:t>31/05/2019</a:t>
             </a:fld>
             <a:endParaRPr lang="fr-FR" dirty="0"/>
           </a:p>
@@ -8387,7 +8408,7 @@
             <a:fld id="{7399499F-CA45-4A76-BC24-F973E24AC3FB}" type="datetime1">
               <a:rPr lang="fr-FR" smtClean="0"/>
               <a:pPr/>
-              <a:t>29/05/2019</a:t>
+              <a:t>31/05/2019</a:t>
             </a:fld>
             <a:endParaRPr lang="fr-FR" dirty="0"/>
           </a:p>
@@ -8706,7 +8727,7 @@
             <a:fld id="{3817870C-A0A5-4D92-B86D-C2791EFA3A23}" type="datetime1">
               <a:rPr lang="fr-FR" smtClean="0"/>
               <a:pPr/>
-              <a:t>29/05/2019</a:t>
+              <a:t>31/05/2019</a:t>
             </a:fld>
             <a:endParaRPr lang="fr-FR" dirty="0"/>
           </a:p>
@@ -9181,7 +9202,7 @@
             <a:fld id="{812A7B89-83CE-4355-8D19-9AD5D8179E27}" type="datetime1">
               <a:rPr lang="fr-FR" smtClean="0"/>
               <a:pPr/>
-              <a:t>29/05/2019</a:t>
+              <a:t>31/05/2019</a:t>
             </a:fld>
             <a:endParaRPr lang="fr-FR" dirty="0"/>
           </a:p>
@@ -9330,7 +9351,7 @@
             <a:fld id="{EA4593A4-CD22-4D89-9631-B432485C88BE}" type="datetime1">
               <a:rPr lang="fr-FR" smtClean="0"/>
               <a:pPr/>
-              <a:t>29/05/2019</a:t>
+              <a:t>31/05/2019</a:t>
             </a:fld>
             <a:endParaRPr lang="fr-FR" dirty="0"/>
           </a:p>
@@ -9459,7 +9480,7 @@
             <a:fld id="{88F3045D-8AE6-4E47-932F-47FA387FEA34}" type="datetime1">
               <a:rPr lang="fr-FR" smtClean="0"/>
               <a:pPr/>
-              <a:t>29/05/2019</a:t>
+              <a:t>31/05/2019</a:t>
             </a:fld>
             <a:endParaRPr lang="fr-FR" dirty="0"/>
           </a:p>
@@ -9796,7 +9817,7 @@
             <a:fld id="{2282C9DA-93FE-4DDE-8920-2C8AB1F5E18A}" type="datetime1">
               <a:rPr lang="fr-FR" smtClean="0"/>
               <a:pPr/>
-              <a:t>29/05/2019</a:t>
+              <a:t>31/05/2019</a:t>
             </a:fld>
             <a:endParaRPr lang="fr-FR" dirty="0"/>
           </a:p>
@@ -10123,7 +10144,7 @@
             <a:fld id="{EB002A6A-F78C-474F-BA6B-17AE42EC613D}" type="datetime1">
               <a:rPr lang="fr-FR" smtClean="0"/>
               <a:pPr/>
-              <a:t>29/05/2019</a:t>
+              <a:t>31/05/2019</a:t>
             </a:fld>
             <a:endParaRPr lang="fr-FR" dirty="0"/>
           </a:p>
@@ -10369,7 +10390,7 @@
             <a:fld id="{B1406553-4B01-4903-B663-70E503E45D52}" type="datetime1">
               <a:rPr lang="fr-FR" smtClean="0"/>
               <a:pPr/>
-              <a:t>29/05/2019</a:t>
+              <a:t>31/05/2019</a:t>
             </a:fld>
             <a:endParaRPr lang="fr-FR" dirty="0"/>
           </a:p>
@@ -10855,7 +10876,6 @@
               <a:rPr lang="fr-FR" dirty="0"/>
               <a:t>a</a:t>
             </a:r>
-            <a:endParaRPr lang="fr-FR" dirty="0"/>
           </a:p>
         </p:txBody>
       </p:sp>
@@ -10949,13 +10969,13 @@
   <p:clrMapOvr>
     <a:masterClrMapping/>
   </p:clrMapOvr>
-  <mc:AlternateContent xmlns:mc="http://schemas.openxmlformats.org/markup-compatibility/2006">
-    <mc:Choice xmlns:p14="http://schemas.microsoft.com/office/powerpoint/2010/main" Requires="p14">
+  <mc:AlternateContent xmlns:mc="http://schemas.openxmlformats.org/markup-compatibility/2006" xmlns:p14="http://schemas.microsoft.com/office/powerpoint/2010/main">
+    <mc:Choice Requires="p14">
       <p:transition spd="slow" p14:dur="4400">
         <p14:honeycomb/>
       </p:transition>
     </mc:Choice>
-    <mc:Fallback>
+    <mc:Fallback xmlns="">
       <p:transition spd="slow">
         <p:fade/>
       </p:transition>
@@ -11147,13 +11167,13 @@
   <p:clrMapOvr>
     <a:masterClrMapping/>
   </p:clrMapOvr>
-  <mc:AlternateContent xmlns:mc="http://schemas.openxmlformats.org/markup-compatibility/2006">
-    <mc:Choice xmlns:p15="http://schemas.microsoft.com/office/powerpoint/2012/main" Requires="p15">
+  <mc:AlternateContent xmlns:mc="http://schemas.openxmlformats.org/markup-compatibility/2006" xmlns:p15="http://schemas.microsoft.com/office/powerpoint/2012/main">
+    <mc:Choice Requires="p15">
       <p:transition xmlns:p14="http://schemas.microsoft.com/office/powerpoint/2010/main" spd="slow" p14:dur="2000">
         <p15:prstTrans prst="fracture"/>
       </p:transition>
     </mc:Choice>
-    <mc:Fallback>
+    <mc:Fallback xmlns="">
       <p:transition spd="slow">
         <p:fade/>
       </p:transition>
@@ -11220,15 +11240,17 @@
         </p:nvSpPr>
         <p:spPr>
           <a:xfrm>
-            <a:off x="1517444" y="2348880"/>
-            <a:ext cx="9134391" cy="2172073"/>
+            <a:off x="1517444" y="2348879"/>
+            <a:ext cx="9134391" cy="2880321"/>
           </a:xfrm>
         </p:spPr>
         <p:txBody>
-          <a:bodyPr/>
+          <a:bodyPr>
+            <a:normAutofit/>
+          </a:bodyPr>
           <a:lstStyle/>
           <a:p>
-            <a:pPr marL="0" indent="0">
+            <a:pPr marL="0" indent="0" algn="just">
               <a:buNone/>
             </a:pPr>
             <a:r>
@@ -11237,12 +11259,25 @@
             </a:r>
           </a:p>
           <a:p>
-            <a:pPr marL="0" indent="0">
+            <a:pPr marL="0" indent="0" algn="just">
               <a:buNone/>
             </a:pPr>
             <a:r>
               <a:rPr lang="fr-FR" dirty="0" smtClean="0"/>
-              <a:t>Celui-ci sera entièrement sur mesure et répondra précisément à vos attentes.</a:t>
+              <a:t>Celui-ci sera entièrement sur mesure et répondra précisément à vos attentes</a:t>
+            </a:r>
+            <a:r>
+              <a:rPr lang="fr-FR" dirty="0" smtClean="0"/>
+              <a:t>.</a:t>
+            </a:r>
+          </a:p>
+          <a:p>
+            <a:pPr marL="0" indent="0" algn="just">
+              <a:buNone/>
+            </a:pPr>
+            <a:r>
+              <a:rPr lang="fr-FR" dirty="0" smtClean="0"/>
+              <a:t>De plus, si l’on souhaite des améliorations dans le futur, nous serions totalement en capacité de le produire, contrairement à la solution CMS où nous somme dépendant de la société détentrice.</a:t>
             </a:r>
             <a:endParaRPr lang="fr-FR" dirty="0"/>
           </a:p>
@@ -11303,13 +11338,13 @@
   <p:clrMapOvr>
     <a:masterClrMapping/>
   </p:clrMapOvr>
-  <mc:AlternateContent xmlns:mc="http://schemas.openxmlformats.org/markup-compatibility/2006">
-    <mc:Choice xmlns:p15="http://schemas.microsoft.com/office/powerpoint/2012/main" Requires="p15">
+  <mc:AlternateContent xmlns:mc="http://schemas.openxmlformats.org/markup-compatibility/2006" xmlns:p15="http://schemas.microsoft.com/office/powerpoint/2012/main">
+    <mc:Choice Requires="p15">
       <p:transition xmlns:p14="http://schemas.microsoft.com/office/powerpoint/2010/main" spd="slow" p14:dur="2000">
         <p15:prstTrans prst="wind"/>
       </p:transition>
     </mc:Choice>
-    <mc:Fallback>
+    <mc:Fallback xmlns="">
       <p:transition spd="slow">
         <p:fade/>
       </p:transition>
@@ -11539,6 +11574,121 @@
                                           <p:spTgt spid="3">
                                             <p:txEl>
                                               <p:pRg st="1" end="1"/>
+                                            </p:txEl>
+                                          </p:spTgt>
+                                        </p:tgtEl>
+                                      </p:cBhvr>
+                                    </p:animEffect>
+                                  </p:childTnLst>
+                                </p:cTn>
+                              </p:par>
+                            </p:childTnLst>
+                          </p:cTn>
+                        </p:par>
+                      </p:childTnLst>
+                    </p:cTn>
+                  </p:par>
+                  <p:par>
+                    <p:cTn id="17" fill="hold">
+                      <p:stCondLst>
+                        <p:cond delay="indefinite"/>
+                      </p:stCondLst>
+                      <p:childTnLst>
+                        <p:par>
+                          <p:cTn id="18" fill="hold">
+                            <p:stCondLst>
+                              <p:cond delay="0"/>
+                            </p:stCondLst>
+                            <p:childTnLst>
+                              <p:par>
+                                <p:cTn id="19" presetID="53" presetClass="entr" presetSubtype="16" fill="hold" grpId="0" nodeType="clickEffect">
+                                  <p:stCondLst>
+                                    <p:cond delay="0"/>
+                                  </p:stCondLst>
+                                  <p:childTnLst>
+                                    <p:set>
+                                      <p:cBhvr>
+                                        <p:cTn id="20" dur="1" fill="hold">
+                                          <p:stCondLst>
+                                            <p:cond delay="0"/>
+                                          </p:stCondLst>
+                                        </p:cTn>
+                                        <p:tgtEl>
+                                          <p:spTgt spid="3">
+                                            <p:txEl>
+                                              <p:pRg st="2" end="2"/>
+                                            </p:txEl>
+                                          </p:spTgt>
+                                        </p:tgtEl>
+                                        <p:attrNameLst>
+                                          <p:attrName>style.visibility</p:attrName>
+                                        </p:attrNameLst>
+                                      </p:cBhvr>
+                                      <p:to>
+                                        <p:strVal val="visible"/>
+                                      </p:to>
+                                    </p:set>
+                                    <p:anim calcmode="lin" valueType="num">
+                                      <p:cBhvr>
+                                        <p:cTn id="21" dur="500" fill="hold"/>
+                                        <p:tgtEl>
+                                          <p:spTgt spid="3">
+                                            <p:txEl>
+                                              <p:pRg st="2" end="2"/>
+                                            </p:txEl>
+                                          </p:spTgt>
+                                        </p:tgtEl>
+                                        <p:attrNameLst>
+                                          <p:attrName>ppt_w</p:attrName>
+                                        </p:attrNameLst>
+                                      </p:cBhvr>
+                                      <p:tavLst>
+                                        <p:tav tm="0">
+                                          <p:val>
+                                            <p:fltVal val="0"/>
+                                          </p:val>
+                                        </p:tav>
+                                        <p:tav tm="100000">
+                                          <p:val>
+                                            <p:strVal val="#ppt_w"/>
+                                          </p:val>
+                                        </p:tav>
+                                      </p:tavLst>
+                                    </p:anim>
+                                    <p:anim calcmode="lin" valueType="num">
+                                      <p:cBhvr>
+                                        <p:cTn id="22" dur="500" fill="hold"/>
+                                        <p:tgtEl>
+                                          <p:spTgt spid="3">
+                                            <p:txEl>
+                                              <p:pRg st="2" end="2"/>
+                                            </p:txEl>
+                                          </p:spTgt>
+                                        </p:tgtEl>
+                                        <p:attrNameLst>
+                                          <p:attrName>ppt_h</p:attrName>
+                                        </p:attrNameLst>
+                                      </p:cBhvr>
+                                      <p:tavLst>
+                                        <p:tav tm="0">
+                                          <p:val>
+                                            <p:fltVal val="0"/>
+                                          </p:val>
+                                        </p:tav>
+                                        <p:tav tm="100000">
+                                          <p:val>
+                                            <p:strVal val="#ppt_h"/>
+                                          </p:val>
+                                        </p:tav>
+                                      </p:tavLst>
+                                    </p:anim>
+                                    <p:animEffect transition="in" filter="fade">
+                                      <p:cBhvr>
+                                        <p:cTn id="23" dur="500"/>
+                                        <p:tgtEl>
+                                          <p:spTgt spid="3">
+                                            <p:txEl>
+                                              <p:pRg st="2" end="2"/>
                                             </p:txEl>
                                           </p:spTgt>
                                         </p:tgtEl>
@@ -11676,13 +11826,13 @@
   <p:clrMapOvr>
     <a:masterClrMapping/>
   </p:clrMapOvr>
-  <mc:AlternateContent xmlns:mc="http://schemas.openxmlformats.org/markup-compatibility/2006">
-    <mc:Choice xmlns:p15="http://schemas.microsoft.com/office/powerpoint/2012/main" Requires="p15">
+  <mc:AlternateContent xmlns:mc="http://schemas.openxmlformats.org/markup-compatibility/2006" xmlns:p15="http://schemas.microsoft.com/office/powerpoint/2012/main">
+    <mc:Choice Requires="p15">
       <p:transition xmlns:p14="http://schemas.microsoft.com/office/powerpoint/2010/main" spd="slow" p14:dur="6000">
         <p15:prstTrans prst="curtains"/>
       </p:transition>
     </mc:Choice>
-    <mc:Fallback>
+    <mc:Fallback xmlns="">
       <p:transition spd="slow">
         <p:fade/>
       </p:transition>
@@ -11772,7 +11922,6 @@
               <a:rPr lang="fr-FR" dirty="0" smtClean="0"/>
               <a:t>2 – Vos attentes</a:t>
             </a:r>
-            <a:endParaRPr lang="fr-FR" dirty="0" smtClean="0"/>
           </a:p>
           <a:p>
             <a:r>
@@ -11781,13 +11930,8 @@
             </a:r>
             <a:r>
               <a:rPr lang="fr-FR" dirty="0" smtClean="0"/>
-              <a:t> – </a:t>
+              <a:t> – Solutions proposées</a:t>
             </a:r>
-            <a:r>
-              <a:rPr lang="fr-FR" dirty="0" smtClean="0"/>
-              <a:t>Solutions proposées</a:t>
-            </a:r>
-            <a:endParaRPr lang="fr-FR" dirty="0" smtClean="0"/>
           </a:p>
           <a:p>
             <a:pPr rtl="0"/>
@@ -12618,13 +12762,13 @@
   <p:clrMapOvr>
     <a:masterClrMapping/>
   </p:clrMapOvr>
-  <mc:AlternateContent xmlns:mc="http://schemas.openxmlformats.org/markup-compatibility/2006">
-    <mc:Choice xmlns:p14="http://schemas.microsoft.com/office/powerpoint/2010/main" Requires="p14">
+  <mc:AlternateContent xmlns:mc="http://schemas.openxmlformats.org/markup-compatibility/2006" xmlns:p14="http://schemas.microsoft.com/office/powerpoint/2010/main">
+    <mc:Choice Requires="p14">
       <p:transition spd="slow" p14:dur="3400">
         <p14:reveal/>
       </p:transition>
     </mc:Choice>
-    <mc:Fallback>
+    <mc:Fallback xmlns="">
       <p:transition spd="slow">
         <p:fade/>
       </p:transition>
@@ -13274,13 +13418,13 @@
   <p:clrMapOvr>
     <a:masterClrMapping/>
   </p:clrMapOvr>
-  <mc:AlternateContent xmlns:mc="http://schemas.openxmlformats.org/markup-compatibility/2006">
-    <mc:Choice xmlns:p14="http://schemas.microsoft.com/office/powerpoint/2010/main" Requires="p14">
+  <mc:AlternateContent xmlns:mc="http://schemas.openxmlformats.org/markup-compatibility/2006" xmlns:p14="http://schemas.microsoft.com/office/powerpoint/2010/main">
+    <mc:Choice Requires="p14">
       <p:transition spd="slow" p14:dur="1500">
         <p:split orient="vert"/>
       </p:transition>
     </mc:Choice>
-    <mc:Fallback>
+    <mc:Fallback xmlns="">
       <p:transition spd="slow">
         <p:split orient="vert"/>
       </p:transition>
@@ -13731,13 +13875,13 @@
   <p:clrMapOvr>
     <a:masterClrMapping/>
   </p:clrMapOvr>
-  <mc:AlternateContent xmlns:mc="http://schemas.openxmlformats.org/markup-compatibility/2006">
-    <mc:Choice xmlns:p14="http://schemas.microsoft.com/office/powerpoint/2010/main" Requires="p14">
+  <mc:AlternateContent xmlns:mc="http://schemas.openxmlformats.org/markup-compatibility/2006" xmlns:p14="http://schemas.microsoft.com/office/powerpoint/2010/main">
+    <mc:Choice Requires="p14">
       <p:transition spd="slow">
         <p14:flash/>
       </p:transition>
     </mc:Choice>
-    <mc:Fallback>
+    <mc:Fallback xmlns="">
       <p:transition spd="slow">
         <p:fade/>
       </p:transition>
@@ -16508,6 +16652,36 @@
           </a:p>
         </p:txBody>
       </p:sp>
+      <p:sp>
+        <p:nvSpPr>
+          <p:cNvPr id="6" name="ZoneTexte 5"/>
+          <p:cNvSpPr txBox="1"/>
+          <p:nvPr/>
+        </p:nvSpPr>
+        <p:spPr>
+          <a:xfrm>
+            <a:off x="2405733" y="5589240"/>
+            <a:ext cx="1328687" cy="369332"/>
+          </a:xfrm>
+          <a:prstGeom prst="rect">
+            <a:avLst/>
+          </a:prstGeom>
+          <a:noFill/>
+        </p:spPr>
+        <p:txBody>
+          <a:bodyPr wrap="square" rtlCol="0">
+            <a:spAutoFit/>
+          </a:bodyPr>
+          <a:lstStyle/>
+          <a:p>
+            <a:r>
+              <a:rPr lang="fr-FR" dirty="0" smtClean="0"/>
+              <a:t>Hébergeur</a:t>
+            </a:r>
+            <a:endParaRPr lang="fr-FR" dirty="0"/>
+          </a:p>
+        </p:txBody>
+      </p:sp>
     </p:spTree>
     <p:extLst>
       <p:ext uri="{BB962C8B-B14F-4D97-AF65-F5344CB8AC3E}">
@@ -17836,13 +18010,13 @@
   <p:clrMapOvr>
     <a:masterClrMapping/>
   </p:clrMapOvr>
-  <mc:AlternateContent xmlns:mc="http://schemas.openxmlformats.org/markup-compatibility/2006">
-    <mc:Choice xmlns:p14="http://schemas.microsoft.com/office/powerpoint/2010/main" Requires="p14">
+  <mc:AlternateContent xmlns:mc="http://schemas.openxmlformats.org/markup-compatibility/2006" xmlns:p14="http://schemas.microsoft.com/office/powerpoint/2010/main">
+    <mc:Choice Requires="p14">
       <p:transition spd="slow" p14:dur="1400">
         <p14:ripple/>
       </p:transition>
     </mc:Choice>
-    <mc:Fallback>
+    <mc:Fallback xmlns="">
       <p:transition spd="slow">
         <p:fade/>
       </p:transition>
@@ -19977,13 +20151,13 @@
   <p:clrMapOvr>
     <a:masterClrMapping/>
   </p:clrMapOvr>
-  <mc:AlternateContent xmlns:mc="http://schemas.openxmlformats.org/markup-compatibility/2006">
-    <mc:Choice xmlns:p15="http://schemas.microsoft.com/office/powerpoint/2012/main" Requires="p15">
+  <mc:AlternateContent xmlns:mc="http://schemas.openxmlformats.org/markup-compatibility/2006" xmlns:p15="http://schemas.microsoft.com/office/powerpoint/2012/main">
+    <mc:Choice Requires="p15">
       <p:transition xmlns:p14="http://schemas.microsoft.com/office/powerpoint/2010/main" spd="slow" p14:dur="1250">
         <p15:prstTrans prst="peelOff"/>
       </p:transition>
     </mc:Choice>
-    <mc:Fallback>
+    <mc:Fallback xmlns="">
       <p:transition spd="slow">
         <p:fade/>
       </p:transition>
@@ -23229,6 +23403,15 @@
 </file>
 
 <file path=customXml/item2.xml><?xml version="1.0" encoding="utf-8"?>
+<?mso-contentType ?>
+<FormTemplates xmlns="http://schemas.microsoft.com/sharepoint/v3/contenttype/forms">
+  <Display>DocumentLibraryForm</Display>
+  <Edit>AssetEditForm</Edit>
+  <New>DocumentLibraryForm</New>
+</FormTemplates>
+</file>
+
+<file path=customXml/item3.xml><?xml version="1.0" encoding="utf-8"?>
 <p:properties xmlns:p="http://schemas.microsoft.com/office/2006/metadata/properties" xmlns:xsi="http://www.w3.org/2001/XMLSchema-instance" xmlns:pc="http://schemas.microsoft.com/office/infopath/2007/PartnerControls">
   <documentManagement>
     <DirectSourceMarket xmlns="4873beb7-5857-4685-be1f-d57550cc96cc" xsi:nil="true"/>
@@ -23355,15 +23538,6 @@
 </p:properties>
 </file>
 
-<file path=customXml/item3.xml><?xml version="1.0" encoding="utf-8"?>
-<?mso-contentType ?>
-<FormTemplates xmlns="http://schemas.microsoft.com/sharepoint/v3/contenttype/forms">
-  <Display>DocumentLibraryForm</Display>
-  <Edit>AssetEditForm</Edit>
-  <New>DocumentLibraryForm</New>
-</FormTemplates>
-</file>
-
 <file path=customXml/itemProps1.xml><?xml version="1.0" encoding="utf-8"?>
 <ds:datastoreItem xmlns:ds="http://schemas.openxmlformats.org/officeDocument/2006/customXml" ds:itemID="{22CCB507-0646-4A50-A4F7-7F385079D589}">
   <ds:schemaRefs>
@@ -23383,6 +23557,14 @@
 </file>
 
 <file path=customXml/itemProps2.xml><?xml version="1.0" encoding="utf-8"?>
+<ds:datastoreItem xmlns:ds="http://schemas.openxmlformats.org/officeDocument/2006/customXml" ds:itemID="{74228E6B-D70C-44BB-A81F-A245495F612B}">
+  <ds:schemaRefs>
+    <ds:schemaRef ds:uri="http://schemas.microsoft.com/sharepoint/v3/contenttype/forms"/>
+  </ds:schemaRefs>
+</ds:datastoreItem>
+</file>
+
+<file path=customXml/itemProps3.xml><?xml version="1.0" encoding="utf-8"?>
 <ds:datastoreItem xmlns:ds="http://schemas.openxmlformats.org/officeDocument/2006/customXml" ds:itemID="{00E41224-0370-4595-877C-23316CD80004}">
   <ds:schemaRefs>
     <ds:schemaRef ds:uri="http://schemas.microsoft.com/office/2006/metadata/properties"/>
@@ -23396,12 +23578,4 @@
     <ds:schemaRef ds:uri="http://www.w3.org/XML/1998/namespace"/>
   </ds:schemaRefs>
 </ds:datastoreItem>
-</file>
-
-<file path=customXml/itemProps3.xml><?xml version="1.0" encoding="utf-8"?>
-<ds:datastoreItem xmlns:ds="http://schemas.openxmlformats.org/officeDocument/2006/customXml" ds:itemID="{74228E6B-D70C-44BB-A81F-A245495F612B}">
-  <ds:schemaRefs>
-    <ds:schemaRef ds:uri="http://schemas.microsoft.com/sharepoint/v3/contenttype/forms"/>
-  </ds:schemaRefs>
-</ds:datastoreItem>
 </file>